--- a/moodfood.pptx
+++ b/moodfood.pptx
@@ -115,6 +115,11 @@
       </a:defRPr>
     </a:lvl9pPr>
   </p:defaultTextStyle>
+  <p:extLst>
+    <p:ext uri="{EFAFB233-063F-42B5-8137-9DF3F51BA10A}">
+      <p15:sldGuideLst xmlns:p15="http://schemas.microsoft.com/office/powerpoint/2012/main"/>
+    </p:ext>
+  </p:extLst>
 </p:presentation>
 </file>
 
@@ -3386,6 +3391,9 @@
           <a:p>
             <a:r>
               <a:rPr lang="en-US" sz="10000" dirty="0" err="1" smtClean="0">
+                <a:solidFill>
+                  <a:schemeClr val="accent1"/>
+                </a:solidFill>
                 <a:latin typeface="Gabriola" charset="0"/>
                 <a:ea typeface="Gabriola" charset="0"/>
                 <a:cs typeface="Gabriola" charset="0"/>
@@ -3393,6 +3401,9 @@
               <a:t>moodfood</a:t>
             </a:r>
             <a:endParaRPr lang="en-US" sz="10000" dirty="0">
+              <a:solidFill>
+                <a:schemeClr val="accent1"/>
+              </a:solidFill>
               <a:latin typeface="Gabriola" charset="0"/>
               <a:ea typeface="Gabriola" charset="0"/>
               <a:cs typeface="Gabriola" charset="0"/>
@@ -3410,7 +3421,12 @@
             <p:ph type="subTitle" idx="1"/>
           </p:nvPr>
         </p:nvSpPr>
-        <p:spPr/>
+        <p:spPr>
+          <a:xfrm>
+            <a:off x="1524000" y="4967012"/>
+            <a:ext cx="9144000" cy="1655762"/>
+          </a:xfrm>
+        </p:spPr>
         <p:txBody>
           <a:bodyPr>
             <a:normAutofit/>
@@ -3418,22 +3434,81 @@
           <a:lstStyle/>
           <a:p>
             <a:r>
-              <a:rPr lang="en-US" sz="3000" dirty="0" smtClean="0">
+              <a:rPr lang="en-US" sz="3000" b="1" i="1" dirty="0" smtClean="0">
                 <a:ea typeface="Cambria" charset="0"/>
                 <a:cs typeface="Cambria" charset="0"/>
               </a:rPr>
               <a:t>Chelsey Dolan, Anna Ly, Justin McLaren, Simeon </a:t>
             </a:r>
             <a:r>
-              <a:rPr lang="en-US" sz="3000" dirty="0" err="1" smtClean="0">
+              <a:rPr lang="en-US" sz="3000" b="1" i="1" dirty="0" err="1" smtClean="0">
                 <a:ea typeface="Cambria" charset="0"/>
                 <a:cs typeface="Cambria" charset="0"/>
               </a:rPr>
               <a:t>Utubor</a:t>
             </a:r>
-            <a:endParaRPr lang="en-US" sz="3000" dirty="0">
+            <a:endParaRPr lang="en-US" sz="3000" b="1" i="1" dirty="0">
               <a:ea typeface="Cambria" charset="0"/>
               <a:cs typeface="Cambria" charset="0"/>
+            </a:endParaRPr>
+          </a:p>
+        </p:txBody>
+      </p:sp>
+      <p:sp>
+        <p:nvSpPr>
+          <p:cNvPr id="4" name="Title 1"/>
+          <p:cNvSpPr txBox="1">
+            <a:spLocks/>
+          </p:cNvSpPr>
+          <p:nvPr/>
+        </p:nvSpPr>
+        <p:spPr>
+          <a:xfrm>
+            <a:off x="1649896" y="3631096"/>
+            <a:ext cx="9336156" cy="1335916"/>
+          </a:xfrm>
+          <a:prstGeom prst="rect">
+            <a:avLst/>
+          </a:prstGeom>
+        </p:spPr>
+        <p:txBody>
+          <a:bodyPr vert="horz" lIns="91440" tIns="45720" rIns="91440" bIns="45720" rtlCol="0" anchor="b">
+            <a:normAutofit/>
+          </a:bodyPr>
+          <a:lstStyle>
+            <a:lvl1pPr algn="ctr" defTabSz="914400" rtl="0" eaLnBrk="1" latinLnBrk="0" hangingPunct="1">
+              <a:lnSpc>
+                <a:spcPct val="90000"/>
+              </a:lnSpc>
+              <a:spcBef>
+                <a:spcPct val="0"/>
+              </a:spcBef>
+              <a:buNone/>
+              <a:defRPr sz="6000" b="1" kern="1200">
+                <a:solidFill>
+                  <a:schemeClr val="accent5">
+                    <a:lumMod val="75000"/>
+                  </a:schemeClr>
+                </a:solidFill>
+                <a:latin typeface="Gabriola" charset="0"/>
+                <a:ea typeface="Gabriola" charset="0"/>
+                <a:cs typeface="Gabriola" charset="0"/>
+              </a:defRPr>
+            </a:lvl1pPr>
+          </a:lstStyle>
+          <a:p>
+            <a:r>
+              <a:rPr lang="en-US" sz="7000" dirty="0" smtClean="0">
+                <a:solidFill>
+                  <a:schemeClr val="accent1"/>
+                </a:solidFill>
+              </a:rPr>
+              <a:t>by 4 foodies</a:t>
+            </a:r>
+            <a:endParaRPr lang="en-US" sz="7000" dirty="0">
+              <a:solidFill>
+                <a:schemeClr val="accent1"/>
+              </a:solidFill>
             </a:endParaRPr>
           </a:p>
         </p:txBody>
@@ -3590,15 +3665,7 @@
                 <a:ea typeface="Calibri" charset="0"/>
                 <a:cs typeface="Calibri" charset="0"/>
               </a:rPr>
-              <a:t>Type in your current mood, </a:t>
-            </a:r>
-            <a:r>
-              <a:rPr lang="en-US" dirty="0" smtClean="0">
-                <a:latin typeface="+mj-lt"/>
-                <a:ea typeface="Calibri" charset="0"/>
-                <a:cs typeface="Calibri" charset="0"/>
-              </a:rPr>
-              <a:t>and you will be provided with a food option closest to your zip code</a:t>
+              <a:t>Type in your current mood, and you will be provided with a food option closest to your zip code</a:t>
             </a:r>
           </a:p>
           <a:p>
@@ -4377,11 +4444,7 @@
             </a:pPr>
             <a:r>
               <a:rPr lang="en-US" sz="3300" dirty="0" smtClean="0"/>
-              <a:t>Inspired by personal challenges on </a:t>
-            </a:r>
-            <a:r>
-              <a:rPr lang="en-US" sz="3300" dirty="0" smtClean="0"/>
-              <a:t>choosing what to eat when</a:t>
+              <a:t>Inspired by personal challenges on choosing what to eat when</a:t>
             </a:r>
           </a:p>
           <a:p>
@@ -5460,7 +5523,7 @@
           <p:cNvPr id="4" name="Content Placeholder 3">
             <a:extLst>
               <a:ext uri="{FF2B5EF4-FFF2-40B4-BE49-F238E27FC236}">
-                <a16:creationId xmlns:a16="http://schemas.microsoft.com/office/drawing/2014/main" xmlns="" id="{91D4E980-0F85-4BF4-917E-8F4DA298A799}"/>
+                <a16:creationId xmlns="" xmlns:a16="http://schemas.microsoft.com/office/drawing/2014/main" id="{91D4E980-0F85-4BF4-917E-8F4DA298A799}"/>
               </a:ext>
             </a:extLst>
           </p:cNvPr>
